--- a/charts/p10/p10.pptx
+++ b/charts/p10/p10.pptx
@@ -8262,8 +8262,8 @@
         </p:nvSpPr>
         <p:spPr>
           <a:xfrm>
-            <a:off x="2536825" y="2944813"/>
-            <a:ext cx="271463" cy="82550"/>
+            <a:off x="2536825" y="2945130"/>
+            <a:ext cx="290195" cy="80645"/>
           </a:xfrm>
           <a:prstGeom prst="rect">
             <a:avLst/>
@@ -8328,8 +8328,8 @@
         </p:nvSpPr>
         <p:spPr>
           <a:xfrm>
-            <a:off x="3008313" y="2944813"/>
-            <a:ext cx="303213" cy="82550"/>
+            <a:off x="3008630" y="2945130"/>
+            <a:ext cx="314325" cy="80645"/>
           </a:xfrm>
           <a:prstGeom prst="rect">
             <a:avLst/>
@@ -8394,8 +8394,8 @@
         </p:nvSpPr>
         <p:spPr>
           <a:xfrm>
-            <a:off x="3513138" y="2944813"/>
-            <a:ext cx="249238" cy="82550"/>
+            <a:off x="3513455" y="2945130"/>
+            <a:ext cx="267970" cy="76200"/>
           </a:xfrm>
           <a:prstGeom prst="rect">
             <a:avLst/>
